--- a/Apresentação/Qr_Caching_Estatisticas.pptx
+++ b/Apresentação/Qr_Caching_Estatisticas.pptx
@@ -3098,7 +3098,7 @@
             <a:pPr rtl="0"/>
             <a:fld id="{EB928736-AA0B-442D-A1AF-8261F7034BF9}" type="datetime1">
               <a:rPr lang="pt-PT" smtClean="0"/>
-              <a:t>08/05/2024</a:t>
+              <a:t>09/05/2024</a:t>
             </a:fld>
             <a:endParaRPr lang="en-US" dirty="0"/>
           </a:p>
@@ -3268,7 +3268,7 @@
             <a:pPr rtl="0"/>
             <a:fld id="{CD4F8076-E201-4AD9-9292-9CDC6E4C499D}" type="datetime1">
               <a:rPr lang="pt-PT" smtClean="0"/>
-              <a:t>08/05/2024</a:t>
+              <a:t>09/05/2024</a:t>
             </a:fld>
             <a:endParaRPr lang="en-US"/>
           </a:p>
@@ -3788,7 +3788,7 @@
             <a:pPr rtl="0"/>
             <a:fld id="{9CED0CAB-5C98-4633-8227-766380E8BC6E}" type="datetime1">
               <a:rPr lang="pt-PT" smtClean="0"/>
-              <a:t>08/05/2024</a:t>
+              <a:t>09/05/2024</a:t>
             </a:fld>
             <a:endParaRPr lang="en-US" dirty="0"/>
           </a:p>
@@ -3988,7 +3988,7 @@
             <a:pPr rtl="0"/>
             <a:fld id="{8222BAA2-AC6B-4746-8053-EDC8606E535A}" type="datetime1">
               <a:rPr lang="pt-PT" smtClean="0"/>
-              <a:t>08/05/2024</a:t>
+              <a:t>09/05/2024</a:t>
             </a:fld>
             <a:endParaRPr lang="en-US" dirty="0"/>
           </a:p>
@@ -4238,7 +4238,7 @@
             <a:pPr rtl="0"/>
             <a:fld id="{8EDC9CF0-46A2-4AC7-9FA2-8EC67FAC0032}" type="datetime1">
               <a:rPr lang="pt-PT" smtClean="0"/>
-              <a:t>08/05/2024</a:t>
+              <a:t>09/05/2024</a:t>
             </a:fld>
             <a:endParaRPr lang="en-US" dirty="0"/>
           </a:p>
@@ -4434,7 +4434,7 @@
             <a:pPr rtl="0"/>
             <a:fld id="{BBC3D2EF-A9F1-401A-8C02-1662D96CBA0D}" type="datetime1">
               <a:rPr lang="pt-PT" smtClean="0"/>
-              <a:t>08/05/2024</a:t>
+              <a:t>09/05/2024</a:t>
             </a:fld>
             <a:endParaRPr lang="en-US" dirty="0"/>
           </a:p>
@@ -4811,7 +4811,7 @@
             <a:pPr rtl="0"/>
             <a:fld id="{57582FB0-8268-4450-AEFB-7C755E727544}" type="datetime1">
               <a:rPr lang="pt-PT" smtClean="0"/>
-              <a:t>08/05/2024</a:t>
+              <a:t>09/05/2024</a:t>
             </a:fld>
             <a:endParaRPr lang="en-US" dirty="0"/>
           </a:p>
@@ -5082,7 +5082,7 @@
             <a:pPr rtl="0"/>
             <a:fld id="{56E0A07F-0364-433A-B636-12526FBF2765}" type="datetime1">
               <a:rPr lang="pt-PT" smtClean="0"/>
-              <a:t>08/05/2024</a:t>
+              <a:t>09/05/2024</a:t>
             </a:fld>
             <a:endParaRPr lang="en-US" dirty="0"/>
           </a:p>
@@ -5495,7 +5495,7 @@
             <a:pPr rtl="0"/>
             <a:fld id="{125BCC9B-3D00-4038-B827-05429894F1D1}" type="datetime1">
               <a:rPr lang="pt-PT" smtClean="0"/>
-              <a:t>08/05/2024</a:t>
+              <a:t>09/05/2024</a:t>
             </a:fld>
             <a:endParaRPr lang="en-US" dirty="0"/>
           </a:p>
@@ -5639,7 +5639,7 @@
             <a:pPr rtl="0"/>
             <a:fld id="{CE5B8D0D-025A-4217-B697-16EEC070DDC8}" type="datetime1">
               <a:rPr lang="pt-PT" smtClean="0"/>
-              <a:t>08/05/2024</a:t>
+              <a:t>09/05/2024</a:t>
             </a:fld>
             <a:endParaRPr lang="en-US" dirty="0"/>
           </a:p>
@@ -5799,7 +5799,7 @@
             <a:pPr rtl="0"/>
             <a:fld id="{FA763092-FB88-4F2E-B7A9-6AD9CA079CD0}" type="datetime1">
               <a:rPr lang="pt-PT" smtClean="0"/>
-              <a:t>08/05/2024</a:t>
+              <a:t>09/05/2024</a:t>
             </a:fld>
             <a:endParaRPr lang="en-US" dirty="0"/>
           </a:p>
@@ -6132,7 +6132,7 @@
             <a:pPr rtl="0"/>
             <a:fld id="{E55777FD-C41C-4ED6-9788-E0BDB29FE28C}" type="datetime1">
               <a:rPr lang="pt-PT" smtClean="0"/>
-              <a:t>08/05/2024</a:t>
+              <a:t>09/05/2024</a:t>
             </a:fld>
             <a:endParaRPr lang="en-US" dirty="0"/>
           </a:p>
@@ -6487,7 +6487,7 @@
             <a:pPr rtl="0"/>
             <a:fld id="{E2C937DC-1FD7-45E0-8375-82F139FBDB0A}" type="datetime1">
               <a:rPr lang="pt-PT" smtClean="0"/>
-              <a:t>08/05/2024</a:t>
+              <a:t>09/05/2024</a:t>
             </a:fld>
             <a:endParaRPr lang="en-US" dirty="0"/>
           </a:p>
@@ -6751,7 +6751,7 @@
             <a:pPr rtl="0"/>
             <a:fld id="{1F5BAF06-A1C3-41CD-B482-A3F55490B9C6}" type="datetime1">
               <a:rPr lang="pt-PT" smtClean="0"/>
-              <a:t>08/05/2024</a:t>
+              <a:t>09/05/2024</a:t>
             </a:fld>
             <a:endParaRPr lang="en-US" dirty="0"/>
           </a:p>
@@ -7694,7 +7694,7 @@
                   <a:spcPts val="600"/>
                 </a:spcAft>
               </a:pPr>
-              <a:t>08/05/2024</a:t>
+              <a:t>09/05/2024</a:t>
             </a:fld>
             <a:endParaRPr lang="en-US"/>
           </a:p>
@@ -7919,7 +7919,7 @@
         </p:nvSpPr>
         <p:spPr>
           <a:xfrm>
-            <a:off x="3645497" y="2803315"/>
+            <a:off x="3267545" y="2821603"/>
             <a:ext cx="6114308" cy="2534540"/>
           </a:xfrm>
           <a:prstGeom prst="rect">
@@ -7983,7 +7983,7 @@
               <a:buAutoNum type="arabicPeriod"/>
             </a:pPr>
             <a:r>
-              <a:rPr lang="pt-PT" b="1" dirty="0">
+              <a:rPr lang="pt-PT" b="1" u="sng" dirty="0">
                 <a:solidFill>
                   <a:schemeClr val="tx1">
                     <a:lumMod val="85000"/>
@@ -7994,7 +7994,7 @@
               <a:t>Identificar o nome da pessoa com mais </a:t>
             </a:r>
             <a:r>
-              <a:rPr lang="pt-PT" b="1" dirty="0" err="1">
+              <a:rPr lang="pt-PT" b="1" u="sng" dirty="0" err="1">
                 <a:solidFill>
                   <a:schemeClr val="tx1">
                     <a:lumMod val="85000"/>
@@ -8005,7 +8005,7 @@
               <a:t>LQRCodes</a:t>
             </a:r>
             <a:r>
-              <a:rPr lang="pt-PT" b="1" dirty="0">
+              <a:rPr lang="pt-PT" b="1" u="sng" dirty="0">
                 <a:solidFill>
                   <a:schemeClr val="tx1">
                     <a:lumMod val="85000"/>
@@ -8025,7 +8025,7 @@
               <a:buAutoNum type="arabicPeriod"/>
             </a:pPr>
             <a:r>
-              <a:rPr lang="pt-PT" b="1" dirty="0">
+              <a:rPr lang="pt-PT" b="1" u="sng" dirty="0">
                 <a:solidFill>
                   <a:schemeClr val="tx1">
                     <a:lumMod val="85000"/>
@@ -8036,7 +8036,7 @@
               <a:t>Encontrar o </a:t>
             </a:r>
             <a:r>
-              <a:rPr lang="pt-PT" b="1" dirty="0" err="1">
+              <a:rPr lang="pt-PT" b="1" u="sng" dirty="0" err="1">
                 <a:solidFill>
                   <a:schemeClr val="tx1">
                     <a:lumMod val="85000"/>
@@ -8047,7 +8047,7 @@
               <a:t>LQRCode</a:t>
             </a:r>
             <a:r>
-              <a:rPr lang="pt-PT" b="1" dirty="0">
+              <a:rPr lang="pt-PT" b="1" u="sng" dirty="0">
                 <a:solidFill>
                   <a:schemeClr val="tx1">
                     <a:lumMod val="85000"/>
@@ -8067,7 +8067,7 @@
               <a:buAutoNum type="arabicPeriod"/>
             </a:pPr>
             <a:r>
-              <a:rPr lang="pt-PT" b="1" dirty="0">
+              <a:rPr lang="pt-PT" b="1" u="sng" dirty="0">
                 <a:solidFill>
                   <a:schemeClr val="tx1">
                     <a:lumMod val="85000"/>
@@ -8218,7 +8218,7 @@
             <a:pPr rtl="0"/>
             <a:fld id="{FA763092-FB88-4F2E-B7A9-6AD9CA079CD0}" type="datetime1">
               <a:rPr lang="pt-PT" smtClean="0"/>
-              <a:t>08/05/2024</a:t>
+              <a:t>09/05/2024</a:t>
             </a:fld>
             <a:endParaRPr lang="en-US" dirty="0"/>
           </a:p>
